--- a/Boxing Wearable.pptx
+++ b/Boxing Wearable.pptx
@@ -10,12 +10,13 @@
     <p:sldId id="259" r:id="rId4"/>
     <p:sldId id="261" r:id="rId5"/>
     <p:sldId id="260" r:id="rId6"/>
-    <p:sldId id="262" r:id="rId7"/>
-    <p:sldId id="263" r:id="rId8"/>
-    <p:sldId id="264" r:id="rId9"/>
-    <p:sldId id="265" r:id="rId10"/>
-    <p:sldId id="266" r:id="rId11"/>
-    <p:sldId id="269" r:id="rId12"/>
+    <p:sldId id="263" r:id="rId7"/>
+    <p:sldId id="271" r:id="rId8"/>
+    <p:sldId id="262" r:id="rId9"/>
+    <p:sldId id="270" r:id="rId10"/>
+    <p:sldId id="265" r:id="rId11"/>
+    <p:sldId id="266" r:id="rId12"/>
+    <p:sldId id="269" r:id="rId13"/>
   </p:sldIdLst>
   <p:sldSz cx="12192000" cy="6858000"/>
   <p:notesSz cx="6858000" cy="9144000"/>
@@ -5684,7 +5685,12 @@
             <p:ph type="ctrTitle"/>
           </p:nvPr>
         </p:nvSpPr>
-        <p:spPr/>
+        <p:spPr>
+          <a:xfrm>
+            <a:off x="5372100" y="609600"/>
+            <a:ext cx="6255284" cy="3200400"/>
+          </a:xfrm>
+        </p:spPr>
         <p:txBody>
           <a:bodyPr/>
           <a:lstStyle/>
@@ -5707,7 +5713,12 @@
             <p:ph type="subTitle" idx="1"/>
           </p:nvPr>
         </p:nvSpPr>
-        <p:spPr/>
+        <p:spPr>
+          <a:xfrm>
+            <a:off x="2227262" y="3810000"/>
+            <a:ext cx="8676222" cy="1905000"/>
+          </a:xfrm>
+        </p:spPr>
         <p:txBody>
           <a:bodyPr/>
           <a:lstStyle/>
@@ -5722,6 +5733,30 @@
           </a:p>
         </p:txBody>
       </p:sp>
+      <p:pic>
+        <p:nvPicPr>
+          <p:cNvPr id="4" name="Picture 3"/>
+          <p:cNvPicPr>
+            <a:picLocks noChangeAspect="1"/>
+          </p:cNvPicPr>
+          <p:nvPr/>
+        </p:nvPicPr>
+        <p:blipFill>
+          <a:blip r:embed="rId2"/>
+          <a:stretch>
+            <a:fillRect/>
+          </a:stretch>
+        </p:blipFill>
+        <p:spPr>
+          <a:xfrm>
+            <a:off x="900112" y="776288"/>
+            <a:ext cx="4295775" cy="5572125"/>
+          </a:xfrm>
+          <a:prstGeom prst="rect">
+            <a:avLst/>
+          </a:prstGeom>
+        </p:spPr>
+      </p:pic>
     </p:spTree>
     <p:extLst>
       <p:ext uri="{BB962C8B-B14F-4D97-AF65-F5344CB8AC3E}">
@@ -5764,6 +5799,138 @@
         </p:nvSpPr>
         <p:spPr>
           <a:xfrm>
+            <a:off x="1141413" y="609600"/>
+            <a:ext cx="9905998" cy="971550"/>
+          </a:xfrm>
+        </p:spPr>
+        <p:txBody>
+          <a:bodyPr>
+            <a:normAutofit/>
+          </a:bodyPr>
+          <a:lstStyle/>
+          <a:p>
+            <a:r>
+              <a:rPr lang="en-US" sz="4400" dirty="0" smtClean="0"/>
+              <a:t>The Real Issue</a:t>
+            </a:r>
+            <a:endParaRPr lang="en-US" sz="4400" dirty="0"/>
+          </a:p>
+        </p:txBody>
+      </p:sp>
+      <p:sp>
+        <p:nvSpPr>
+          <p:cNvPr id="3" name="Content Placeholder 2"/>
+          <p:cNvSpPr>
+            <a:spLocks noGrp="1"/>
+          </p:cNvSpPr>
+          <p:nvPr>
+            <p:ph idx="1"/>
+          </p:nvPr>
+        </p:nvSpPr>
+        <p:spPr>
+          <a:xfrm>
+            <a:off x="1141413" y="1866901"/>
+            <a:ext cx="9905998" cy="3924300"/>
+          </a:xfrm>
+        </p:spPr>
+        <p:txBody>
+          <a:bodyPr>
+            <a:normAutofit/>
+          </a:bodyPr>
+          <a:lstStyle/>
+          <a:p>
+            <a:r>
+              <a:rPr lang="en-US" sz="3400" dirty="0" smtClean="0"/>
+              <a:t>Punching Detection</a:t>
+            </a:r>
+          </a:p>
+          <a:p>
+            <a:r>
+              <a:rPr lang="en-US" sz="3400" dirty="0" smtClean="0"/>
+              <a:t>Accuracy Rate</a:t>
+            </a:r>
+          </a:p>
+          <a:p>
+            <a:pPr lvl="1"/>
+            <a:r>
+              <a:rPr lang="en-US" sz="3200" dirty="0" smtClean="0"/>
+              <a:t>78% accurate shadowboxing</a:t>
+            </a:r>
+          </a:p>
+          <a:p>
+            <a:pPr lvl="1"/>
+            <a:r>
+              <a:rPr lang="en-US" sz="3200" dirty="0" smtClean="0"/>
+              <a:t>40% accurate boxing </a:t>
+            </a:r>
+            <a:r>
+              <a:rPr lang="en-US" sz="3200" dirty="0" err="1" smtClean="0"/>
+              <a:t>vs</a:t>
+            </a:r>
+            <a:r>
+              <a:rPr lang="en-US" sz="3200" dirty="0" smtClean="0"/>
+              <a:t> </a:t>
+            </a:r>
+            <a:r>
+              <a:rPr lang="en-US" sz="3200" strike="sngStrike" dirty="0" smtClean="0"/>
+              <a:t>bag</a:t>
+            </a:r>
+            <a:r>
+              <a:rPr lang="en-US" sz="3200" dirty="0" smtClean="0"/>
+              <a:t> wall</a:t>
+            </a:r>
+          </a:p>
+          <a:p>
+            <a:r>
+              <a:rPr lang="en-US" sz="3400" dirty="0" smtClean="0"/>
+              <a:t>Can Machine Learning Help?</a:t>
+            </a:r>
+            <a:endParaRPr lang="en-US" sz="3400" dirty="0"/>
+          </a:p>
+        </p:txBody>
+      </p:sp>
+    </p:spTree>
+    <p:extLst>
+      <p:ext uri="{BB962C8B-B14F-4D97-AF65-F5344CB8AC3E}">
+        <p14:creationId xmlns:p14="http://schemas.microsoft.com/office/powerpoint/2010/main" val="3649746322"/>
+      </p:ext>
+    </p:extLst>
+  </p:cSld>
+  <p:clrMapOvr>
+    <a:masterClrMapping/>
+  </p:clrMapOvr>
+</p:sld>
+</file>
+
+<file path=ppt/slides/slide11.xml><?xml version="1.0" encoding="utf-8"?>
+<p:sld xmlns:a="http://schemas.openxmlformats.org/drawingml/2006/main" xmlns:r="http://schemas.openxmlformats.org/officeDocument/2006/relationships" xmlns:p="http://schemas.openxmlformats.org/presentationml/2006/main">
+  <p:cSld>
+    <p:spTree>
+      <p:nvGrpSpPr>
+        <p:cNvPr id="1" name=""/>
+        <p:cNvGrpSpPr/>
+        <p:nvPr/>
+      </p:nvGrpSpPr>
+      <p:grpSpPr>
+        <a:xfrm>
+          <a:off x="0" y="0"/>
+          <a:ext cx="0" cy="0"/>
+          <a:chOff x="0" y="0"/>
+          <a:chExt cx="0" cy="0"/>
+        </a:xfrm>
+      </p:grpSpPr>
+      <p:sp>
+        <p:nvSpPr>
+          <p:cNvPr id="2" name="Title 1"/>
+          <p:cNvSpPr>
+            <a:spLocks noGrp="1"/>
+          </p:cNvSpPr>
+          <p:nvPr>
+            <p:ph type="title"/>
+          </p:nvPr>
+        </p:nvSpPr>
+        <p:spPr>
+          <a:xfrm>
             <a:off x="1141413" y="285750"/>
             <a:ext cx="9905998" cy="971550"/>
           </a:xfrm>
@@ -5843,7 +6010,7 @@
           <a:p>
             <a:r>
               <a:rPr lang="en-US" sz="3200" dirty="0" smtClean="0"/>
-              <a:t>Features</a:t>
+              <a:t>Layers</a:t>
             </a:r>
           </a:p>
           <a:p>
@@ -5913,7 +6080,7 @@
 </p:sld>
 </file>
 
-<file path=ppt/slides/slide11.xml><?xml version="1.0" encoding="utf-8"?>
+<file path=ppt/slides/slide12.xml><?xml version="1.0" encoding="utf-8"?>
 <p:sld xmlns:a="http://schemas.openxmlformats.org/drawingml/2006/main" xmlns:r="http://schemas.openxmlformats.org/officeDocument/2006/relationships" xmlns:p="http://schemas.openxmlformats.org/presentationml/2006/main">
   <p:cSld>
     <p:spTree>
@@ -5978,13 +6145,19 @@
         </p:spPr>
         <p:txBody>
           <a:bodyPr>
-            <a:normAutofit/>
+            <a:normAutofit fontScale="92500" lnSpcReduction="10000"/>
           </a:bodyPr>
           <a:lstStyle/>
           <a:p>
             <a:r>
               <a:rPr lang="en-US" sz="3200" dirty="0" smtClean="0"/>
               <a:t>Takeaways</a:t>
+            </a:r>
+          </a:p>
+          <a:p>
+            <a:r>
+              <a:rPr lang="en-US" sz="3200" dirty="0" smtClean="0"/>
+              <a:t>Shadow boxing sensor</a:t>
             </a:r>
             <a:endParaRPr lang="en-US" sz="3000" dirty="0" smtClean="0"/>
           </a:p>
@@ -6596,13 +6769,6 @@
             </a:r>
             <a:endParaRPr lang="en-US" sz="3000" dirty="0" smtClean="0"/>
           </a:p>
-          <a:p>
-            <a:pPr lvl="1"/>
-            <a:r>
-              <a:rPr lang="en-US" sz="3200" dirty="0" smtClean="0"/>
-              <a:t>Examples</a:t>
-            </a:r>
-          </a:p>
         </p:txBody>
       </p:sp>
     </p:spTree>
@@ -6659,7 +6825,7 @@
           <a:p>
             <a:r>
               <a:rPr lang="en-US" sz="4400" dirty="0" smtClean="0"/>
-              <a:t>Detection Examples</a:t>
+              <a:t>Prompted and Coaching</a:t>
             </a:r>
             <a:endParaRPr lang="en-US" sz="4400" dirty="0"/>
           </a:p>
@@ -6677,8 +6843,8 @@
         </p:nvSpPr>
         <p:spPr>
           <a:xfrm>
-            <a:off x="952500" y="1866901"/>
-            <a:ext cx="10763249" cy="4572000"/>
+            <a:off x="1141413" y="1866901"/>
+            <a:ext cx="9905998" cy="3924300"/>
           </a:xfrm>
         </p:spPr>
         <p:txBody>
@@ -6689,48 +6855,41 @@
           <a:p>
             <a:r>
               <a:rPr lang="en-US" sz="3400" dirty="0" smtClean="0"/>
-              <a:t>Boxer punches and the device detects punch data</a:t>
-            </a:r>
-          </a:p>
-          <a:p>
-            <a:r>
-              <a:rPr lang="en-US" sz="3400" dirty="0" smtClean="0"/>
-              <a:t>Shadowboxing</a:t>
+              <a:t>Boxer is given a prompt</a:t>
             </a:r>
           </a:p>
           <a:p>
             <a:pPr lvl="1"/>
             <a:r>
-              <a:rPr lang="en-US" sz="3200" dirty="0" smtClean="0"/>
-              <a:t>Solid!</a:t>
-            </a:r>
-          </a:p>
-          <a:p>
-            <a:r>
-              <a:rPr lang="en-US" sz="3400" dirty="0" smtClean="0"/>
-              <a:t>Bag Work</a:t>
-            </a:r>
-          </a:p>
-          <a:p>
-            <a:pPr lvl="1"/>
-            <a:r>
-              <a:rPr lang="en-US" sz="3200" dirty="0" smtClean="0"/>
-              <a:t>Issues</a:t>
-            </a:r>
-          </a:p>
-          <a:p>
-            <a:pPr lvl="1"/>
-            <a:r>
-              <a:rPr lang="en-US" sz="3200" dirty="0" smtClean="0"/>
-              <a:t>Why?</a:t>
-            </a:r>
+              <a:rPr lang="en-US" sz="2800" dirty="0"/>
+              <a:t>j</a:t>
+            </a:r>
+            <a:r>
+              <a:rPr lang="en-US" sz="2800" dirty="0" smtClean="0"/>
+              <a:t>ab, hook, cross, hook, jab</a:t>
+            </a:r>
+          </a:p>
+          <a:p>
+            <a:r>
+              <a:rPr lang="en-US" sz="3000" dirty="0">
+                <a:hlinkClick r:id="rId2"/>
+              </a:rPr>
+              <a:t>https://</a:t>
+            </a:r>
+            <a:r>
+              <a:rPr lang="en-US" sz="3000" dirty="0" smtClean="0">
+                <a:hlinkClick r:id="rId2"/>
+              </a:rPr>
+              <a:t>drive.google.com/file/d/1Ep2fksGZA_aL1AiIDJqNUFGmBQwg3ITx/view?usp=sharing</a:t>
+            </a:r>
+            <a:endParaRPr lang="en-US" sz="3000" dirty="0" smtClean="0"/>
           </a:p>
         </p:txBody>
       </p:sp>
     </p:spTree>
     <p:extLst>
       <p:ext uri="{BB962C8B-B14F-4D97-AF65-F5344CB8AC3E}">
-        <p14:creationId xmlns:p14="http://schemas.microsoft.com/office/powerpoint/2010/main" val="761480558"/>
+        <p14:creationId xmlns:p14="http://schemas.microsoft.com/office/powerpoint/2010/main" val="430594382"/>
       </p:ext>
     </p:extLst>
   </p:cSld>
@@ -6781,7 +6940,7 @@
           <a:p>
             <a:r>
               <a:rPr lang="en-US" sz="4400" dirty="0" smtClean="0"/>
-              <a:t>Prompted Example</a:t>
+              <a:t>Prompted and Coaching</a:t>
             </a:r>
             <a:endParaRPr lang="en-US" sz="4400" dirty="0"/>
           </a:p>
@@ -6815,6 +6974,17 @@
             </a:r>
           </a:p>
           <a:p>
+            <a:pPr lvl="1"/>
+            <a:r>
+              <a:rPr lang="en-US" sz="2800" dirty="0"/>
+              <a:t>j</a:t>
+            </a:r>
+            <a:r>
+              <a:rPr lang="en-US" sz="2800" dirty="0" smtClean="0"/>
+              <a:t>ab, hook, cross, hook, jab</a:t>
+            </a:r>
+          </a:p>
+          <a:p>
             <a:r>
               <a:rPr lang="en-US" sz="3400" dirty="0" smtClean="0"/>
               <a:t>Punches are recorded</a:t>
@@ -6823,15 +6993,45 @@
           <a:p>
             <a:r>
               <a:rPr lang="en-US" sz="3400" dirty="0" smtClean="0"/>
-              <a:t>Boxer is given a grade</a:t>
-            </a:r>
-          </a:p>
-        </p:txBody>
-      </p:sp>
+              <a:t>Boxer is given a summary</a:t>
+            </a:r>
+          </a:p>
+          <a:p>
+            <a:r>
+              <a:rPr lang="en-US" sz="3400" dirty="0" smtClean="0"/>
+              <a:t>Boxer given grade based off average punch velocity and quickness</a:t>
+            </a:r>
+          </a:p>
+        </p:txBody>
+      </p:sp>
+      <p:pic>
+        <p:nvPicPr>
+          <p:cNvPr id="5" name="Picture 4"/>
+          <p:cNvPicPr>
+            <a:picLocks noChangeAspect="1"/>
+          </p:cNvPicPr>
+          <p:nvPr/>
+        </p:nvPicPr>
+        <p:blipFill>
+          <a:blip r:embed="rId2"/>
+          <a:stretch>
+            <a:fillRect/>
+          </a:stretch>
+        </p:blipFill>
+        <p:spPr>
+          <a:xfrm>
+            <a:off x="6905625" y="1866901"/>
+            <a:ext cx="4700664" cy="2705099"/>
+          </a:xfrm>
+          <a:prstGeom prst="rect">
+            <a:avLst/>
+          </a:prstGeom>
+        </p:spPr>
+      </p:pic>
     </p:spTree>
     <p:extLst>
       <p:ext uri="{BB962C8B-B14F-4D97-AF65-F5344CB8AC3E}">
-        <p14:creationId xmlns:p14="http://schemas.microsoft.com/office/powerpoint/2010/main" val="430594382"/>
+        <p14:creationId xmlns:p14="http://schemas.microsoft.com/office/powerpoint/2010/main" val="1433546171"/>
       </p:ext>
     </p:extLst>
   </p:cSld>
@@ -6882,7 +7082,7 @@
           <a:p>
             <a:r>
               <a:rPr lang="en-US" sz="4400" dirty="0" smtClean="0"/>
-              <a:t>COACHING Example</a:t>
+              <a:t>Detection Examples</a:t>
             </a:r>
             <a:endParaRPr lang="en-US" sz="4400" dirty="0"/>
           </a:p>
@@ -6900,39 +7100,81 @@
         </p:nvSpPr>
         <p:spPr>
           <a:xfrm>
-            <a:off x="1141413" y="1866901"/>
-            <a:ext cx="9905998" cy="3924300"/>
+            <a:off x="514350" y="1809750"/>
+            <a:ext cx="11201399" cy="4629151"/>
           </a:xfrm>
         </p:spPr>
         <p:txBody>
           <a:bodyPr>
-            <a:normAutofit/>
+            <a:normAutofit lnSpcReduction="10000"/>
           </a:bodyPr>
           <a:lstStyle/>
           <a:p>
             <a:r>
-              <a:rPr lang="en-US" sz="3400" dirty="0" smtClean="0"/>
-              <a:t>Boxer’s punches are recorded</a:t>
-            </a:r>
-          </a:p>
-          <a:p>
-            <a:r>
-              <a:rPr lang="en-US" sz="3400" dirty="0" smtClean="0"/>
-              <a:t>Data is summarized after one minute</a:t>
-            </a:r>
-          </a:p>
-          <a:p>
-            <a:r>
-              <a:rPr lang="en-US" sz="3400" dirty="0" smtClean="0"/>
-              <a:t>Boxer is given a grade</a:t>
-            </a:r>
+              <a:rPr lang="en-US" sz="3400" dirty="0">
+                <a:hlinkClick r:id="rId2"/>
+              </a:rPr>
+              <a:t>https://</a:t>
+            </a:r>
+            <a:r>
+              <a:rPr lang="en-US" sz="3400" dirty="0" smtClean="0">
+                <a:hlinkClick r:id="rId2"/>
+              </a:rPr>
+              <a:t>drive.google.com/file/d/1C5nxkR4n_5LZjoBL39vc4hQwfyMQKL8D/view?usp=sharing</a:t>
+            </a:r>
+            <a:endParaRPr lang="en-US" sz="3400" dirty="0" smtClean="0"/>
+          </a:p>
+          <a:p>
+            <a:r>
+              <a:rPr lang="en-US" sz="3400" dirty="0">
+                <a:hlinkClick r:id="rId3"/>
+              </a:rPr>
+              <a:t>https://</a:t>
+            </a:r>
+            <a:r>
+              <a:rPr lang="en-US" sz="3400" dirty="0" smtClean="0">
+                <a:hlinkClick r:id="rId3"/>
+              </a:rPr>
+              <a:t>drive.google.com/file/d/1UMuB3VnYSiKTJ_nptxpAIZydnkiKb5-w/view?usp=sharing</a:t>
+            </a:r>
+            <a:endParaRPr lang="en-US" sz="3400" dirty="0" smtClean="0"/>
+          </a:p>
+          <a:p>
+            <a:r>
+              <a:rPr lang="en-US" sz="3400" dirty="0">
+                <a:hlinkClick r:id="rId4"/>
+              </a:rPr>
+              <a:t>https://</a:t>
+            </a:r>
+            <a:r>
+              <a:rPr lang="en-US" sz="3400" dirty="0" smtClean="0">
+                <a:hlinkClick r:id="rId4"/>
+              </a:rPr>
+              <a:t>drive.google.com/file/d/1t9-JWaKwdJQctZFjafdsVA-X7nl-S6nU/view?usp=sharing</a:t>
+            </a:r>
+            <a:endParaRPr lang="en-US" sz="3400" dirty="0" smtClean="0"/>
+          </a:p>
+          <a:p>
+            <a:r>
+              <a:rPr lang="en-US" sz="3400" dirty="0">
+                <a:hlinkClick r:id="rId5"/>
+              </a:rPr>
+              <a:t>https://</a:t>
+            </a:r>
+            <a:r>
+              <a:rPr lang="en-US" sz="3400" dirty="0" smtClean="0">
+                <a:hlinkClick r:id="rId5"/>
+              </a:rPr>
+              <a:t>drive.google.com/file/d/1PSIsBd-gd9g181Twifwws77km1Y4yIPA/view?usp=sharing</a:t>
+            </a:r>
+            <a:endParaRPr lang="en-US" sz="3400" dirty="0" smtClean="0"/>
           </a:p>
         </p:txBody>
       </p:sp>
     </p:spTree>
     <p:extLst>
       <p:ext uri="{BB962C8B-B14F-4D97-AF65-F5344CB8AC3E}">
-        <p14:creationId xmlns:p14="http://schemas.microsoft.com/office/powerpoint/2010/main" val="3090397861"/>
+        <p14:creationId xmlns:p14="http://schemas.microsoft.com/office/powerpoint/2010/main" val="761480558"/>
       </p:ext>
     </p:extLst>
   </p:cSld>
@@ -6983,7 +7225,7 @@
           <a:p>
             <a:r>
               <a:rPr lang="en-US" sz="4400" dirty="0" smtClean="0"/>
-              <a:t>The Real Issue</a:t>
+              <a:t>Detection Examples</a:t>
             </a:r>
             <a:endParaRPr lang="en-US" sz="4400" dirty="0"/>
           </a:p>
@@ -7001,8 +7243,8 @@
         </p:nvSpPr>
         <p:spPr>
           <a:xfrm>
-            <a:off x="1141413" y="1866901"/>
-            <a:ext cx="9905998" cy="3924300"/>
+            <a:off x="952500" y="1866901"/>
+            <a:ext cx="10763249" cy="4572000"/>
           </a:xfrm>
         </p:spPr>
         <p:txBody>
@@ -7013,50 +7255,54 @@
           <a:p>
             <a:r>
               <a:rPr lang="en-US" sz="3400" dirty="0" smtClean="0"/>
-              <a:t>Punching Detection</a:t>
+              <a:t>Boxer punches and the device detects punch data</a:t>
             </a:r>
           </a:p>
           <a:p>
             <a:r>
               <a:rPr lang="en-US" sz="3400" dirty="0" smtClean="0"/>
-              <a:t>Accuracy Rate</a:t>
+              <a:t>Works okay shadowboxing</a:t>
             </a:r>
           </a:p>
           <a:p>
             <a:pPr lvl="1"/>
             <a:r>
               <a:rPr lang="en-US" sz="3200" dirty="0" smtClean="0"/>
-              <a:t>TODO % accurate shadowboxing</a:t>
-            </a:r>
-          </a:p>
-          <a:p>
-            <a:pPr lvl="1"/>
-            <a:r>
-              <a:rPr lang="en-US" sz="3200" dirty="0" smtClean="0"/>
-              <a:t>TODO% accurate boxing </a:t>
-            </a:r>
-            <a:r>
-              <a:rPr lang="en-US" sz="3200" dirty="0" err="1" smtClean="0"/>
+              <a:t>78% accuracy</a:t>
+            </a:r>
+          </a:p>
+          <a:p>
+            <a:r>
+              <a:rPr lang="en-US" sz="3400" dirty="0" smtClean="0"/>
+              <a:t>Needs calibration for “bag work”</a:t>
+            </a:r>
+          </a:p>
+          <a:p>
+            <a:r>
+              <a:rPr lang="en-US" sz="3400" dirty="0" smtClean="0"/>
+              <a:t>More accurate </a:t>
+            </a:r>
+            <a:r>
+              <a:rPr lang="en-US" sz="3400" dirty="0" err="1" smtClean="0"/>
               <a:t>vs</a:t>
             </a:r>
             <a:r>
-              <a:rPr lang="en-US" sz="3200" dirty="0" smtClean="0"/>
-              <a:t> bag</a:t>
-            </a:r>
-          </a:p>
-          <a:p>
-            <a:r>
               <a:rPr lang="en-US" sz="3400" dirty="0" smtClean="0"/>
-              <a:t>Can Machine Learning Help?</a:t>
-            </a:r>
-            <a:endParaRPr lang="en-US" sz="3400" dirty="0"/>
+              <a:t> a real bag sometimes</a:t>
+            </a:r>
+          </a:p>
+          <a:p>
+            <a:r>
+              <a:rPr lang="en-US" sz="3400" dirty="0" smtClean="0"/>
+              <a:t>Hard punches mess up the gyro</a:t>
+            </a:r>
           </a:p>
         </p:txBody>
       </p:sp>
     </p:spTree>
     <p:extLst>
       <p:ext uri="{BB962C8B-B14F-4D97-AF65-F5344CB8AC3E}">
-        <p14:creationId xmlns:p14="http://schemas.microsoft.com/office/powerpoint/2010/main" val="3649746322"/>
+        <p14:creationId xmlns:p14="http://schemas.microsoft.com/office/powerpoint/2010/main" val="177519349"/>
       </p:ext>
     </p:extLst>
   </p:cSld>

--- a/Boxing Wearable.pptx
+++ b/Boxing Wearable.pptx
@@ -5760,7 +5760,7 @@
     </p:spTree>
     <p:extLst>
       <p:ext uri="{BB962C8B-B14F-4D97-AF65-F5344CB8AC3E}">
-        <p14:creationId xmlns:p14="http://schemas.microsoft.com/office/powerpoint/2010/main" val="473988996"/>
+        <p14:creationId xmlns:p14="http://schemas.microsoft.com/office/powerpoint/2010/main" xmlns="" val="473988996"/>
       </p:ext>
     </p:extLst>
   </p:cSld>
@@ -5892,7 +5892,7 @@
     </p:spTree>
     <p:extLst>
       <p:ext uri="{BB962C8B-B14F-4D97-AF65-F5344CB8AC3E}">
-        <p14:creationId xmlns:p14="http://schemas.microsoft.com/office/powerpoint/2010/main" val="3649746322"/>
+        <p14:creationId xmlns:p14="http://schemas.microsoft.com/office/powerpoint/2010/main" xmlns="" val="3649746322"/>
       </p:ext>
     </p:extLst>
   </p:cSld>
@@ -6070,7 +6070,7 @@
     </p:spTree>
     <p:extLst>
       <p:ext uri="{BB962C8B-B14F-4D97-AF65-F5344CB8AC3E}">
-        <p14:creationId xmlns:p14="http://schemas.microsoft.com/office/powerpoint/2010/main" val="3433692182"/>
+        <p14:creationId xmlns:p14="http://schemas.microsoft.com/office/powerpoint/2010/main" xmlns="" val="3433692182"/>
       </p:ext>
     </p:extLst>
   </p:cSld>
@@ -6212,7 +6212,7 @@
     </p:spTree>
     <p:extLst>
       <p:ext uri="{BB962C8B-B14F-4D97-AF65-F5344CB8AC3E}">
-        <p14:creationId xmlns:p14="http://schemas.microsoft.com/office/powerpoint/2010/main" val="3597991763"/>
+        <p14:creationId xmlns:p14="http://schemas.microsoft.com/office/powerpoint/2010/main" xmlns="" val="3597991763"/>
       </p:ext>
     </p:extLst>
   </p:cSld>
@@ -6384,7 +6384,7 @@
     </p:spTree>
     <p:extLst>
       <p:ext uri="{BB962C8B-B14F-4D97-AF65-F5344CB8AC3E}">
-        <p14:creationId xmlns:p14="http://schemas.microsoft.com/office/powerpoint/2010/main" val="1142279400"/>
+        <p14:creationId xmlns:p14="http://schemas.microsoft.com/office/powerpoint/2010/main" xmlns="" val="1142279400"/>
       </p:ext>
     </p:extLst>
   </p:cSld>
@@ -6512,7 +6512,7 @@
     </p:spTree>
     <p:extLst>
       <p:ext uri="{BB962C8B-B14F-4D97-AF65-F5344CB8AC3E}">
-        <p14:creationId xmlns:p14="http://schemas.microsoft.com/office/powerpoint/2010/main" val="3534131353"/>
+        <p14:creationId xmlns:p14="http://schemas.microsoft.com/office/powerpoint/2010/main" xmlns="" val="3534131353"/>
       </p:ext>
     </p:extLst>
   </p:cSld>
@@ -6625,6 +6625,7 @@
               <a:rPr lang="en-US" sz="3200" dirty="0" smtClean="0"/>
               <a:t>Modes</a:t>
             </a:r>
+            <a:endParaRPr lang="en-US" sz="3000" dirty="0" smtClean="0"/>
           </a:p>
           <a:p>
             <a:pPr marL="1428750" lvl="2" indent="-514350">
@@ -6633,7 +6634,7 @@
             </a:pPr>
             <a:r>
               <a:rPr lang="en-US" sz="3000" dirty="0" smtClean="0"/>
-              <a:t>Detect</a:t>
+              <a:t>Prompt</a:t>
             </a:r>
           </a:p>
           <a:p>
@@ -6643,8 +6644,9 @@
             </a:pPr>
             <a:r>
               <a:rPr lang="en-US" sz="3000" dirty="0" smtClean="0"/>
-              <a:t>Prompt</a:t>
-            </a:r>
+              <a:t>Detect</a:t>
+            </a:r>
+            <a:endParaRPr lang="en-US" sz="3000" dirty="0" smtClean="0"/>
           </a:p>
           <a:p>
             <a:pPr marL="1428750" lvl="2" indent="-514350">
@@ -6661,7 +6663,7 @@
     </p:spTree>
     <p:extLst>
       <p:ext uri="{BB962C8B-B14F-4D97-AF65-F5344CB8AC3E}">
-        <p14:creationId xmlns:p14="http://schemas.microsoft.com/office/powerpoint/2010/main" val="1335348548"/>
+        <p14:creationId xmlns:p14="http://schemas.microsoft.com/office/powerpoint/2010/main" xmlns="" val="1335348548"/>
       </p:ext>
     </p:extLst>
   </p:cSld>
@@ -6743,7 +6745,19 @@
             <a:pPr lvl="1"/>
             <a:r>
               <a:rPr lang="en-US" sz="3200" dirty="0" smtClean="0"/>
-              <a:t>Cross: fist rotation, full travel time, hard</a:t>
+              <a:t>Cross: </a:t>
+            </a:r>
+            <a:r>
+              <a:rPr lang="en-US" sz="3200" dirty="0" smtClean="0"/>
+              <a:t>full </a:t>
+            </a:r>
+            <a:r>
+              <a:rPr lang="en-US" sz="3200" dirty="0" smtClean="0"/>
+              <a:t>rotation</a:t>
+            </a:r>
+            <a:r>
+              <a:rPr lang="en-US" sz="3200" dirty="0" smtClean="0"/>
+              <a:t>, full travel time, hard</a:t>
             </a:r>
           </a:p>
           <a:p>
@@ -6774,7 +6788,7 @@
     </p:spTree>
     <p:extLst>
       <p:ext uri="{BB962C8B-B14F-4D97-AF65-F5344CB8AC3E}">
-        <p14:creationId xmlns:p14="http://schemas.microsoft.com/office/powerpoint/2010/main" val="4126402127"/>
+        <p14:creationId xmlns:p14="http://schemas.microsoft.com/office/powerpoint/2010/main" xmlns="" val="4126402127"/>
       </p:ext>
     </p:extLst>
   </p:cSld>
@@ -6889,7 +6903,7 @@
     </p:spTree>
     <p:extLst>
       <p:ext uri="{BB962C8B-B14F-4D97-AF65-F5344CB8AC3E}">
-        <p14:creationId xmlns:p14="http://schemas.microsoft.com/office/powerpoint/2010/main" val="430594382"/>
+        <p14:creationId xmlns:p14="http://schemas.microsoft.com/office/powerpoint/2010/main" xmlns="" val="430594382"/>
       </p:ext>
     </p:extLst>
   </p:cSld>
@@ -7031,7 +7045,7 @@
     </p:spTree>
     <p:extLst>
       <p:ext uri="{BB962C8B-B14F-4D97-AF65-F5344CB8AC3E}">
-        <p14:creationId xmlns:p14="http://schemas.microsoft.com/office/powerpoint/2010/main" val="1433546171"/>
+        <p14:creationId xmlns:p14="http://schemas.microsoft.com/office/powerpoint/2010/main" xmlns="" val="1433546171"/>
       </p:ext>
     </p:extLst>
   </p:cSld>
@@ -7174,7 +7188,7 @@
     </p:spTree>
     <p:extLst>
       <p:ext uri="{BB962C8B-B14F-4D97-AF65-F5344CB8AC3E}">
-        <p14:creationId xmlns:p14="http://schemas.microsoft.com/office/powerpoint/2010/main" val="761480558"/>
+        <p14:creationId xmlns:p14="http://schemas.microsoft.com/office/powerpoint/2010/main" xmlns="" val="761480558"/>
       </p:ext>
     </p:extLst>
   </p:cSld>
@@ -7302,7 +7316,7 @@
     </p:spTree>
     <p:extLst>
       <p:ext uri="{BB962C8B-B14F-4D97-AF65-F5344CB8AC3E}">
-        <p14:creationId xmlns:p14="http://schemas.microsoft.com/office/powerpoint/2010/main" val="177519349"/>
+        <p14:creationId xmlns:p14="http://schemas.microsoft.com/office/powerpoint/2010/main" xmlns="" val="177519349"/>
       </p:ext>
     </p:extLst>
   </p:cSld>
@@ -7355,7 +7369,7 @@
     </a:clrScheme>
     <a:fontScheme name="Mesh">
       <a:majorFont>
-        <a:latin typeface="Century Gothic" panose="020B0502020202020204"/>
+        <a:latin typeface="Century Gothic"/>
         <a:ea typeface=""/>
         <a:cs typeface=""/>
         <a:font script="Jpan" typeface="ＭＳ ゴシック"/>
@@ -7390,7 +7404,7 @@
         <a:font script="Geor" typeface="Sylfaen"/>
       </a:majorFont>
       <a:minorFont>
-        <a:latin typeface="Century Gothic" panose="020B0502020202020204"/>
+        <a:latin typeface="Century Gothic"/>
         <a:ea typeface=""/>
         <a:cs typeface=""/>
         <a:font script="Jpan" typeface="ＭＳ ゴシック"/>
@@ -7562,7 +7576,7 @@
   <a:extraClrSchemeLst/>
   <a:extLst>
     <a:ext uri="{05A4C25C-085E-4340-85A3-A5531E510DB2}">
-      <thm15:themeFamily xmlns:thm15="http://schemas.microsoft.com/office/thememl/2012/main" name="Mesh" id="{789EC3FE-34FD-429C-9918-760025E6C145}" vid="{B8BE45C0-8141-4D58-8C71-A009BC26FBBB}"/>
+      <thm15:themeFamily xmlns:thm15="http://schemas.microsoft.com/office/thememl/2012/main" xmlns="" name="Mesh" id="{789EC3FE-34FD-429C-9918-760025E6C145}" vid="{B8BE45C0-8141-4D58-8C71-A009BC26FBBB}"/>
     </a:ext>
   </a:extLst>
 </a:theme>

--- a/Boxing Wearable.pptx
+++ b/Boxing Wearable.pptx
@@ -14,9 +14,10 @@
     <p:sldId id="271" r:id="rId8"/>
     <p:sldId id="262" r:id="rId9"/>
     <p:sldId id="270" r:id="rId10"/>
-    <p:sldId id="265" r:id="rId11"/>
-    <p:sldId id="266" r:id="rId12"/>
-    <p:sldId id="269" r:id="rId13"/>
+    <p:sldId id="272" r:id="rId11"/>
+    <p:sldId id="265" r:id="rId12"/>
+    <p:sldId id="266" r:id="rId13"/>
+    <p:sldId id="269" r:id="rId14"/>
   </p:sldIdLst>
   <p:sldSz cx="12192000" cy="6858000"/>
   <p:notesSz cx="6858000" cy="9144000"/>
@@ -5760,7 +5761,7 @@
     </p:spTree>
     <p:extLst>
       <p:ext uri="{BB962C8B-B14F-4D97-AF65-F5344CB8AC3E}">
-        <p14:creationId xmlns:p14="http://schemas.microsoft.com/office/powerpoint/2010/main" xmlns="" val="473988996"/>
+        <p14:creationId xmlns="" xmlns:p14="http://schemas.microsoft.com/office/powerpoint/2010/main" val="473988996"/>
       </p:ext>
     </p:extLst>
   </p:cSld>
@@ -5811,7 +5812,7 @@
           <a:p>
             <a:r>
               <a:rPr lang="en-US" sz="4400" dirty="0" smtClean="0"/>
-              <a:t>The Real Issue</a:t>
+              <a:t>Detection Examples</a:t>
             </a:r>
             <a:endParaRPr lang="en-US" sz="4400" dirty="0"/>
           </a:p>
@@ -5829,8 +5830,8 @@
         </p:nvSpPr>
         <p:spPr>
           <a:xfrm>
-            <a:off x="1141413" y="1866901"/>
-            <a:ext cx="9905998" cy="3924300"/>
+            <a:off x="590550" y="1866901"/>
+            <a:ext cx="11125199" cy="4572000"/>
           </a:xfrm>
         </p:spPr>
         <p:txBody>
@@ -5841,58 +5842,76 @@
           <a:p>
             <a:r>
               <a:rPr lang="en-US" sz="3400" dirty="0" smtClean="0"/>
-              <a:t>Punching Detection</a:t>
+              <a:t>Boxer punches and the device detects punch data</a:t>
             </a:r>
           </a:p>
           <a:p>
             <a:r>
               <a:rPr lang="en-US" sz="3400" dirty="0" smtClean="0"/>
-              <a:t>Accuracy Rate</a:t>
+              <a:t>Works okay shadowboxing</a:t>
             </a:r>
           </a:p>
           <a:p>
             <a:pPr lvl="1"/>
             <a:r>
               <a:rPr lang="en-US" sz="3200" dirty="0" smtClean="0"/>
-              <a:t>78% accurate shadowboxing</a:t>
-            </a:r>
-          </a:p>
-          <a:p>
-            <a:pPr lvl="1"/>
+              <a:t>78% </a:t>
+            </a:r>
             <a:r>
               <a:rPr lang="en-US" sz="3200" dirty="0" smtClean="0"/>
-              <a:t>40% accurate boxing </a:t>
-            </a:r>
-            <a:r>
-              <a:rPr lang="en-US" sz="3200" dirty="0" err="1" smtClean="0"/>
+              <a:t>accuracy, nearly 100% accurate at medium speed</a:t>
+            </a:r>
+            <a:endParaRPr lang="en-US" sz="3200" dirty="0" smtClean="0"/>
+          </a:p>
+          <a:p>
+            <a:r>
+              <a:rPr lang="en-US" sz="3400" dirty="0" smtClean="0"/>
+              <a:t>Needs calibration for “bag work”</a:t>
+            </a:r>
+          </a:p>
+          <a:p>
+            <a:r>
+              <a:rPr lang="en-US" sz="3400" dirty="0" smtClean="0"/>
+              <a:t>More accurate </a:t>
+            </a:r>
+            <a:r>
+              <a:rPr lang="en-US" sz="3400" dirty="0" err="1" smtClean="0"/>
               <a:t>vs</a:t>
             </a:r>
             <a:r>
-              <a:rPr lang="en-US" sz="3200" dirty="0" smtClean="0"/>
+              <a:rPr lang="en-US" sz="3400" dirty="0" smtClean="0"/>
+              <a:t> a real bag </a:t>
+            </a:r>
+            <a:r>
+              <a:rPr lang="en-US" sz="3400" dirty="0" smtClean="0"/>
+              <a:t>instead of wall</a:t>
+            </a:r>
+            <a:endParaRPr lang="en-US" sz="3400" dirty="0" smtClean="0"/>
+          </a:p>
+          <a:p>
+            <a:r>
+              <a:rPr lang="en-US" sz="3400" dirty="0" smtClean="0"/>
+              <a:t>Hard punches </a:t>
+            </a:r>
+            <a:r>
+              <a:rPr lang="en-US" sz="3400" dirty="0" smtClean="0"/>
+              <a:t>disrupt</a:t>
+            </a:r>
+            <a:r>
+              <a:rPr lang="en-US" sz="3400" dirty="0" smtClean="0"/>
               <a:t> </a:t>
             </a:r>
             <a:r>
-              <a:rPr lang="en-US" sz="3200" strike="sngStrike" dirty="0" smtClean="0"/>
-              <a:t>bag</a:t>
-            </a:r>
-            <a:r>
-              <a:rPr lang="en-US" sz="3200" dirty="0" smtClean="0"/>
-              <a:t> wall</a:t>
-            </a:r>
-          </a:p>
-          <a:p>
-            <a:r>
               <a:rPr lang="en-US" sz="3400" dirty="0" smtClean="0"/>
-              <a:t>Can Machine Learning Help?</a:t>
-            </a:r>
-            <a:endParaRPr lang="en-US" sz="3400" dirty="0"/>
+              <a:t>the gyro</a:t>
+            </a:r>
           </a:p>
         </p:txBody>
       </p:sp>
     </p:spTree>
     <p:extLst>
       <p:ext uri="{BB962C8B-B14F-4D97-AF65-F5344CB8AC3E}">
-        <p14:creationId xmlns:p14="http://schemas.microsoft.com/office/powerpoint/2010/main" xmlns="" val="3649746322"/>
+        <p14:creationId xmlns="" xmlns:p14="http://schemas.microsoft.com/office/powerpoint/2010/main" val="177519349"/>
       </p:ext>
     </p:extLst>
   </p:cSld>
@@ -5903,6 +5922,138 @@
 </file>
 
 <file path=ppt/slides/slide11.xml><?xml version="1.0" encoding="utf-8"?>
+<p:sld xmlns:a="http://schemas.openxmlformats.org/drawingml/2006/main" xmlns:r="http://schemas.openxmlformats.org/officeDocument/2006/relationships" xmlns:p="http://schemas.openxmlformats.org/presentationml/2006/main">
+  <p:cSld>
+    <p:spTree>
+      <p:nvGrpSpPr>
+        <p:cNvPr id="1" name=""/>
+        <p:cNvGrpSpPr/>
+        <p:nvPr/>
+      </p:nvGrpSpPr>
+      <p:grpSpPr>
+        <a:xfrm>
+          <a:off x="0" y="0"/>
+          <a:ext cx="0" cy="0"/>
+          <a:chOff x="0" y="0"/>
+          <a:chExt cx="0" cy="0"/>
+        </a:xfrm>
+      </p:grpSpPr>
+      <p:sp>
+        <p:nvSpPr>
+          <p:cNvPr id="2" name="Title 1"/>
+          <p:cNvSpPr>
+            <a:spLocks noGrp="1"/>
+          </p:cNvSpPr>
+          <p:nvPr>
+            <p:ph type="title"/>
+          </p:nvPr>
+        </p:nvSpPr>
+        <p:spPr>
+          <a:xfrm>
+            <a:off x="1141413" y="609600"/>
+            <a:ext cx="9905998" cy="971550"/>
+          </a:xfrm>
+        </p:spPr>
+        <p:txBody>
+          <a:bodyPr>
+            <a:normAutofit/>
+          </a:bodyPr>
+          <a:lstStyle/>
+          <a:p>
+            <a:r>
+              <a:rPr lang="en-US" sz="4400" dirty="0" smtClean="0"/>
+              <a:t>The Real Issue</a:t>
+            </a:r>
+            <a:endParaRPr lang="en-US" sz="4400" dirty="0"/>
+          </a:p>
+        </p:txBody>
+      </p:sp>
+      <p:sp>
+        <p:nvSpPr>
+          <p:cNvPr id="3" name="Content Placeholder 2"/>
+          <p:cNvSpPr>
+            <a:spLocks noGrp="1"/>
+          </p:cNvSpPr>
+          <p:nvPr>
+            <p:ph idx="1"/>
+          </p:nvPr>
+        </p:nvSpPr>
+        <p:spPr>
+          <a:xfrm>
+            <a:off x="1141413" y="1866901"/>
+            <a:ext cx="9905998" cy="3924300"/>
+          </a:xfrm>
+        </p:spPr>
+        <p:txBody>
+          <a:bodyPr>
+            <a:normAutofit/>
+          </a:bodyPr>
+          <a:lstStyle/>
+          <a:p>
+            <a:r>
+              <a:rPr lang="en-US" sz="3400" dirty="0" smtClean="0"/>
+              <a:t>Punching Detection</a:t>
+            </a:r>
+          </a:p>
+          <a:p>
+            <a:r>
+              <a:rPr lang="en-US" sz="3400" dirty="0" smtClean="0"/>
+              <a:t>Accuracy Rate</a:t>
+            </a:r>
+          </a:p>
+          <a:p>
+            <a:pPr lvl="1"/>
+            <a:r>
+              <a:rPr lang="en-US" sz="3200" dirty="0" smtClean="0"/>
+              <a:t>78% accurate shadowboxing</a:t>
+            </a:r>
+          </a:p>
+          <a:p>
+            <a:pPr lvl="1"/>
+            <a:r>
+              <a:rPr lang="en-US" sz="3200" dirty="0" smtClean="0"/>
+              <a:t>40% accurate boxing </a:t>
+            </a:r>
+            <a:r>
+              <a:rPr lang="en-US" sz="3200" dirty="0" err="1" smtClean="0"/>
+              <a:t>vs</a:t>
+            </a:r>
+            <a:r>
+              <a:rPr lang="en-US" sz="3200" dirty="0" smtClean="0"/>
+              <a:t> </a:t>
+            </a:r>
+            <a:r>
+              <a:rPr lang="en-US" sz="3200" strike="sngStrike" dirty="0" smtClean="0"/>
+              <a:t>bag</a:t>
+            </a:r>
+            <a:r>
+              <a:rPr lang="en-US" sz="3200" dirty="0" smtClean="0"/>
+              <a:t> wall</a:t>
+            </a:r>
+          </a:p>
+          <a:p>
+            <a:r>
+              <a:rPr lang="en-US" sz="3400" dirty="0" smtClean="0"/>
+              <a:t>Can Machine Learning Help?</a:t>
+            </a:r>
+            <a:endParaRPr lang="en-US" sz="3400" dirty="0"/>
+          </a:p>
+        </p:txBody>
+      </p:sp>
+    </p:spTree>
+    <p:extLst>
+      <p:ext uri="{BB962C8B-B14F-4D97-AF65-F5344CB8AC3E}">
+        <p14:creationId xmlns="" xmlns:p14="http://schemas.microsoft.com/office/powerpoint/2010/main" val="3649746322"/>
+      </p:ext>
+    </p:extLst>
+  </p:cSld>
+  <p:clrMapOvr>
+    <a:masterClrMapping/>
+  </p:clrMapOvr>
+</p:sld>
+</file>
+
+<file path=ppt/slides/slide12.xml><?xml version="1.0" encoding="utf-8"?>
 <p:sld xmlns:a="http://schemas.openxmlformats.org/drawingml/2006/main" xmlns:r="http://schemas.openxmlformats.org/officeDocument/2006/relationships" xmlns:p="http://schemas.openxmlformats.org/presentationml/2006/main">
   <p:cSld>
     <p:spTree>
@@ -6070,7 +6221,7 @@
     </p:spTree>
     <p:extLst>
       <p:ext uri="{BB962C8B-B14F-4D97-AF65-F5344CB8AC3E}">
-        <p14:creationId xmlns:p14="http://schemas.microsoft.com/office/powerpoint/2010/main" xmlns="" val="3433692182"/>
+        <p14:creationId xmlns="" xmlns:p14="http://schemas.microsoft.com/office/powerpoint/2010/main" val="3433692182"/>
       </p:ext>
     </p:extLst>
   </p:cSld>
@@ -6080,7 +6231,7 @@
 </p:sld>
 </file>
 
-<file path=ppt/slides/slide12.xml><?xml version="1.0" encoding="utf-8"?>
+<file path=ppt/slides/slide13.xml><?xml version="1.0" encoding="utf-8"?>
 <p:sld xmlns:a="http://schemas.openxmlformats.org/drawingml/2006/main" xmlns:r="http://schemas.openxmlformats.org/officeDocument/2006/relationships" xmlns:p="http://schemas.openxmlformats.org/presentationml/2006/main">
   <p:cSld>
     <p:spTree>
@@ -6212,7 +6363,7 @@
     </p:spTree>
     <p:extLst>
       <p:ext uri="{BB962C8B-B14F-4D97-AF65-F5344CB8AC3E}">
-        <p14:creationId xmlns:p14="http://schemas.microsoft.com/office/powerpoint/2010/main" xmlns="" val="3597991763"/>
+        <p14:creationId xmlns="" xmlns:p14="http://schemas.microsoft.com/office/powerpoint/2010/main" val="3597991763"/>
       </p:ext>
     </p:extLst>
   </p:cSld>
@@ -6384,7 +6535,7 @@
     </p:spTree>
     <p:extLst>
       <p:ext uri="{BB962C8B-B14F-4D97-AF65-F5344CB8AC3E}">
-        <p14:creationId xmlns:p14="http://schemas.microsoft.com/office/powerpoint/2010/main" xmlns="" val="1142279400"/>
+        <p14:creationId xmlns="" xmlns:p14="http://schemas.microsoft.com/office/powerpoint/2010/main" val="1142279400"/>
       </p:ext>
     </p:extLst>
   </p:cSld>
@@ -6512,7 +6663,7 @@
     </p:spTree>
     <p:extLst>
       <p:ext uri="{BB962C8B-B14F-4D97-AF65-F5344CB8AC3E}">
-        <p14:creationId xmlns:p14="http://schemas.microsoft.com/office/powerpoint/2010/main" xmlns="" val="3534131353"/>
+        <p14:creationId xmlns="" xmlns:p14="http://schemas.microsoft.com/office/powerpoint/2010/main" val="3534131353"/>
       </p:ext>
     </p:extLst>
   </p:cSld>
@@ -6646,7 +6797,6 @@
               <a:rPr lang="en-US" sz="3000" dirty="0" smtClean="0"/>
               <a:t>Detect</a:t>
             </a:r>
-            <a:endParaRPr lang="en-US" sz="3000" dirty="0" smtClean="0"/>
           </a:p>
           <a:p>
             <a:pPr marL="1428750" lvl="2" indent="-514350">
@@ -6663,7 +6813,7 @@
     </p:spTree>
     <p:extLst>
       <p:ext uri="{BB962C8B-B14F-4D97-AF65-F5344CB8AC3E}">
-        <p14:creationId xmlns:p14="http://schemas.microsoft.com/office/powerpoint/2010/main" xmlns="" val="1335348548"/>
+        <p14:creationId xmlns="" xmlns:p14="http://schemas.microsoft.com/office/powerpoint/2010/main" val="1335348548"/>
       </p:ext>
     </p:extLst>
   </p:cSld>
@@ -6745,19 +6895,7 @@
             <a:pPr lvl="1"/>
             <a:r>
               <a:rPr lang="en-US" sz="3200" dirty="0" smtClean="0"/>
-              <a:t>Cross: </a:t>
-            </a:r>
-            <a:r>
-              <a:rPr lang="en-US" sz="3200" dirty="0" smtClean="0"/>
-              <a:t>full </a:t>
-            </a:r>
-            <a:r>
-              <a:rPr lang="en-US" sz="3200" dirty="0" smtClean="0"/>
-              <a:t>rotation</a:t>
-            </a:r>
-            <a:r>
-              <a:rPr lang="en-US" sz="3200" dirty="0" smtClean="0"/>
-              <a:t>, full travel time, hard</a:t>
+              <a:t>Cross: full rotation, full travel time, hard</a:t>
             </a:r>
           </a:p>
           <a:p>
@@ -6788,7 +6926,7 @@
     </p:spTree>
     <p:extLst>
       <p:ext uri="{BB962C8B-B14F-4D97-AF65-F5344CB8AC3E}">
-        <p14:creationId xmlns:p14="http://schemas.microsoft.com/office/powerpoint/2010/main" xmlns="" val="4126402127"/>
+        <p14:creationId xmlns="" xmlns:p14="http://schemas.microsoft.com/office/powerpoint/2010/main" val="4126402127"/>
       </p:ext>
     </p:extLst>
   </p:cSld>
@@ -6903,7 +7041,7 @@
     </p:spTree>
     <p:extLst>
       <p:ext uri="{BB962C8B-B14F-4D97-AF65-F5344CB8AC3E}">
-        <p14:creationId xmlns:p14="http://schemas.microsoft.com/office/powerpoint/2010/main" xmlns="" val="430594382"/>
+        <p14:creationId xmlns="" xmlns:p14="http://schemas.microsoft.com/office/powerpoint/2010/main" val="430594382"/>
       </p:ext>
     </p:extLst>
   </p:cSld>
@@ -7045,7 +7183,7 @@
     </p:spTree>
     <p:extLst>
       <p:ext uri="{BB962C8B-B14F-4D97-AF65-F5344CB8AC3E}">
-        <p14:creationId xmlns:p14="http://schemas.microsoft.com/office/powerpoint/2010/main" xmlns="" val="1433546171"/>
+        <p14:creationId xmlns="" xmlns:p14="http://schemas.microsoft.com/office/powerpoint/2010/main" val="1433546171"/>
       </p:ext>
     </p:extLst>
   </p:cSld>
@@ -7188,7 +7326,7 @@
     </p:spTree>
     <p:extLst>
       <p:ext uri="{BB962C8B-B14F-4D97-AF65-F5344CB8AC3E}">
-        <p14:creationId xmlns:p14="http://schemas.microsoft.com/office/powerpoint/2010/main" xmlns="" val="761480558"/>
+        <p14:creationId xmlns="" xmlns:p14="http://schemas.microsoft.com/office/powerpoint/2010/main" val="761480558"/>
       </p:ext>
     </p:extLst>
   </p:cSld>
@@ -7239,84 +7377,568 @@
           <a:p>
             <a:r>
               <a:rPr lang="en-US" sz="4400" dirty="0" smtClean="0"/>
-              <a:t>Detection Examples</a:t>
+              <a:t>Detections</a:t>
             </a:r>
             <a:endParaRPr lang="en-US" sz="4400" dirty="0"/>
           </a:p>
         </p:txBody>
       </p:sp>
-      <p:sp>
-        <p:nvSpPr>
-          <p:cNvPr id="3" name="Content Placeholder 2"/>
-          <p:cNvSpPr>
-            <a:spLocks noGrp="1"/>
-          </p:cNvSpPr>
+      <p:graphicFrame>
+        <p:nvGraphicFramePr>
+          <p:cNvPr id="4" name="Content Placeholder 3"/>
+          <p:cNvGraphicFramePr>
+            <a:graphicFrameLocks noGrp="1"/>
+          </p:cNvGraphicFramePr>
           <p:nvPr>
             <p:ph idx="1"/>
           </p:nvPr>
+        </p:nvGraphicFramePr>
+        <p:xfrm>
+          <a:off x="590550" y="1866900"/>
+          <a:ext cx="11125202" cy="1112520"/>
+        </p:xfrm>
+        <a:graphic>
+          <a:graphicData uri="http://schemas.openxmlformats.org/drawingml/2006/table">
+            <a:tbl>
+              <a:tblPr firstRow="1" bandRow="1">
+                <a:tableStyleId>{5C22544A-7EE6-4342-B048-85BDC9FD1C3A}</a:tableStyleId>
+              </a:tblPr>
+              <a:tblGrid>
+                <a:gridCol w="1011382"/>
+                <a:gridCol w="1011382"/>
+                <a:gridCol w="1011382"/>
+                <a:gridCol w="1011382"/>
+                <a:gridCol w="1011382"/>
+                <a:gridCol w="1011382"/>
+                <a:gridCol w="1011382"/>
+                <a:gridCol w="1011382"/>
+                <a:gridCol w="1011382"/>
+                <a:gridCol w="1011382"/>
+                <a:gridCol w="1011382"/>
+              </a:tblGrid>
+              <a:tr h="370840">
+                <a:tc>
+                  <a:txBody>
+                    <a:bodyPr/>
+                    <a:lstStyle/>
+                    <a:p>
+                      <a:r>
+                        <a:rPr lang="en-US" dirty="0" smtClean="0"/>
+                        <a:t>Jabs:</a:t>
+                      </a:r>
+                      <a:endParaRPr lang="en-US" dirty="0"/>
+                    </a:p>
+                  </a:txBody>
+                  <a:tcPr/>
+                </a:tc>
+                <a:tc>
+                  <a:txBody>
+                    <a:bodyPr/>
+                    <a:lstStyle/>
+                    <a:p>
+                      <a:r>
+                        <a:rPr lang="en-US" dirty="0" smtClean="0"/>
+                        <a:t>Cross</a:t>
+                      </a:r>
+                      <a:endParaRPr lang="en-US" dirty="0"/>
+                    </a:p>
+                  </a:txBody>
+                  <a:tcPr/>
+                </a:tc>
+                <a:tc>
+                  <a:txBody>
+                    <a:bodyPr/>
+                    <a:lstStyle/>
+                    <a:p>
+                      <a:r>
+                        <a:rPr lang="en-US" dirty="0" smtClean="0"/>
+                        <a:t>Jab</a:t>
+                      </a:r>
+                      <a:endParaRPr lang="en-US" dirty="0"/>
+                    </a:p>
+                  </a:txBody>
+                  <a:tcPr/>
+                </a:tc>
+                <a:tc>
+                  <a:txBody>
+                    <a:bodyPr/>
+                    <a:lstStyle/>
+                    <a:p>
+                      <a:r>
+                        <a:rPr lang="en-US" dirty="0" smtClean="0"/>
+                        <a:t>Cross</a:t>
+                      </a:r>
+                      <a:endParaRPr lang="en-US" dirty="0"/>
+                    </a:p>
+                  </a:txBody>
+                  <a:tcPr/>
+                </a:tc>
+                <a:tc>
+                  <a:txBody>
+                    <a:bodyPr/>
+                    <a:lstStyle/>
+                    <a:p>
+                      <a:r>
+                        <a:rPr lang="en-US" dirty="0" smtClean="0"/>
+                        <a:t>Jab</a:t>
+                      </a:r>
+                      <a:endParaRPr lang="en-US" dirty="0"/>
+                    </a:p>
+                  </a:txBody>
+                  <a:tcPr/>
+                </a:tc>
+                <a:tc>
+                  <a:txBody>
+                    <a:bodyPr/>
+                    <a:lstStyle/>
+                    <a:p>
+                      <a:r>
+                        <a:rPr lang="en-US" dirty="0" smtClean="0"/>
+                        <a:t>Jab</a:t>
+                      </a:r>
+                      <a:endParaRPr lang="en-US" dirty="0"/>
+                    </a:p>
+                  </a:txBody>
+                  <a:tcPr/>
+                </a:tc>
+                <a:tc>
+                  <a:txBody>
+                    <a:bodyPr/>
+                    <a:lstStyle/>
+                    <a:p>
+                      <a:r>
+                        <a:rPr lang="en-US" dirty="0" smtClean="0"/>
+                        <a:t>Cross</a:t>
+                      </a:r>
+                      <a:endParaRPr lang="en-US" dirty="0"/>
+                    </a:p>
+                  </a:txBody>
+                  <a:tcPr/>
+                </a:tc>
+                <a:tc>
+                  <a:txBody>
+                    <a:bodyPr/>
+                    <a:lstStyle/>
+                    <a:p>
+                      <a:r>
+                        <a:rPr lang="en-US" dirty="0" smtClean="0"/>
+                        <a:t>Jab</a:t>
+                      </a:r>
+                      <a:endParaRPr lang="en-US" dirty="0"/>
+                    </a:p>
+                  </a:txBody>
+                  <a:tcPr/>
+                </a:tc>
+                <a:tc>
+                  <a:txBody>
+                    <a:bodyPr/>
+                    <a:lstStyle/>
+                    <a:p>
+                      <a:r>
+                        <a:rPr lang="en-US" dirty="0" smtClean="0"/>
+                        <a:t>Jab</a:t>
+                      </a:r>
+                      <a:endParaRPr lang="en-US" dirty="0"/>
+                    </a:p>
+                  </a:txBody>
+                  <a:tcPr/>
+                </a:tc>
+                <a:tc>
+                  <a:txBody>
+                    <a:bodyPr/>
+                    <a:lstStyle/>
+                    <a:p>
+                      <a:r>
+                        <a:rPr lang="en-US" dirty="0" smtClean="0"/>
+                        <a:t>Jab</a:t>
+                      </a:r>
+                      <a:endParaRPr lang="en-US" dirty="0"/>
+                    </a:p>
+                  </a:txBody>
+                  <a:tcPr/>
+                </a:tc>
+                <a:tc>
+                  <a:txBody>
+                    <a:bodyPr/>
+                    <a:lstStyle/>
+                    <a:p>
+                      <a:r>
+                        <a:rPr lang="en-US" dirty="0" smtClean="0"/>
+                        <a:t>Jab</a:t>
+                      </a:r>
+                      <a:endParaRPr lang="en-US" dirty="0"/>
+                    </a:p>
+                  </a:txBody>
+                  <a:tcPr/>
+                </a:tc>
+              </a:tr>
+              <a:tr h="370840">
+                <a:tc>
+                  <a:txBody>
+                    <a:bodyPr/>
+                    <a:lstStyle/>
+                    <a:p>
+                      <a:r>
+                        <a:rPr lang="en-US" dirty="0" smtClean="0"/>
+                        <a:t>Cross:</a:t>
+                      </a:r>
+                      <a:endParaRPr lang="en-US" dirty="0"/>
+                    </a:p>
+                  </a:txBody>
+                  <a:tcPr/>
+                </a:tc>
+                <a:tc>
+                  <a:txBody>
+                    <a:bodyPr/>
+                    <a:lstStyle/>
+                    <a:p>
+                      <a:r>
+                        <a:rPr lang="en-US" dirty="0" smtClean="0"/>
+                        <a:t>Cross/J</a:t>
+                      </a:r>
+                      <a:endParaRPr lang="en-US" dirty="0"/>
+                    </a:p>
+                  </a:txBody>
+                  <a:tcPr/>
+                </a:tc>
+                <a:tc>
+                  <a:txBody>
+                    <a:bodyPr/>
+                    <a:lstStyle/>
+                    <a:p>
+                      <a:r>
+                        <a:rPr lang="en-US" dirty="0" smtClean="0"/>
+                        <a:t>Cross/J</a:t>
+                      </a:r>
+                      <a:endParaRPr lang="en-US" dirty="0"/>
+                    </a:p>
+                  </a:txBody>
+                  <a:tcPr/>
+                </a:tc>
+                <a:tc>
+                  <a:txBody>
+                    <a:bodyPr/>
+                    <a:lstStyle/>
+                    <a:p>
+                      <a:r>
+                        <a:rPr lang="en-US" dirty="0" smtClean="0"/>
+                        <a:t>Cross</a:t>
+                      </a:r>
+                      <a:endParaRPr lang="en-US" dirty="0"/>
+                    </a:p>
+                  </a:txBody>
+                  <a:tcPr/>
+                </a:tc>
+                <a:tc>
+                  <a:txBody>
+                    <a:bodyPr/>
+                    <a:lstStyle/>
+                    <a:p>
+                      <a:r>
+                        <a:rPr lang="en-US" dirty="0" smtClean="0"/>
+                        <a:t>Cross/J</a:t>
+                      </a:r>
+                      <a:endParaRPr lang="en-US" dirty="0"/>
+                    </a:p>
+                  </a:txBody>
+                  <a:tcPr/>
+                </a:tc>
+                <a:tc>
+                  <a:txBody>
+                    <a:bodyPr/>
+                    <a:lstStyle/>
+                    <a:p>
+                      <a:r>
+                        <a:rPr lang="en-US" dirty="0" smtClean="0"/>
+                        <a:t>Jab</a:t>
+                      </a:r>
+                      <a:endParaRPr lang="en-US" dirty="0"/>
+                    </a:p>
+                  </a:txBody>
+                  <a:tcPr/>
+                </a:tc>
+                <a:tc>
+                  <a:txBody>
+                    <a:bodyPr/>
+                    <a:lstStyle/>
+                    <a:p>
+                      <a:r>
+                        <a:rPr lang="en-US" dirty="0" smtClean="0"/>
+                        <a:t>Cross</a:t>
+                      </a:r>
+                      <a:endParaRPr lang="en-US" dirty="0"/>
+                    </a:p>
+                  </a:txBody>
+                  <a:tcPr/>
+                </a:tc>
+                <a:tc>
+                  <a:txBody>
+                    <a:bodyPr/>
+                    <a:lstStyle/>
+                    <a:p>
+                      <a:r>
+                        <a:rPr lang="en-US" dirty="0" smtClean="0"/>
+                        <a:t>Cross/J</a:t>
+                      </a:r>
+                      <a:endParaRPr lang="en-US" dirty="0"/>
+                    </a:p>
+                  </a:txBody>
+                  <a:tcPr/>
+                </a:tc>
+                <a:tc>
+                  <a:txBody>
+                    <a:bodyPr/>
+                    <a:lstStyle/>
+                    <a:p>
+                      <a:r>
+                        <a:rPr lang="en-US" dirty="0" smtClean="0"/>
+                        <a:t>Cross</a:t>
+                      </a:r>
+                      <a:endParaRPr lang="en-US" dirty="0"/>
+                    </a:p>
+                  </a:txBody>
+                  <a:tcPr/>
+                </a:tc>
+                <a:tc>
+                  <a:txBody>
+                    <a:bodyPr/>
+                    <a:lstStyle/>
+                    <a:p>
+                      <a:r>
+                        <a:rPr lang="en-US" dirty="0" smtClean="0"/>
+                        <a:t>Cross</a:t>
+                      </a:r>
+                      <a:endParaRPr lang="en-US" dirty="0"/>
+                    </a:p>
+                  </a:txBody>
+                  <a:tcPr/>
+                </a:tc>
+                <a:tc>
+                  <a:txBody>
+                    <a:bodyPr/>
+                    <a:lstStyle/>
+                    <a:p>
+                      <a:r>
+                        <a:rPr lang="en-US" dirty="0" smtClean="0"/>
+                        <a:t>Jab</a:t>
+                      </a:r>
+                      <a:endParaRPr lang="en-US" dirty="0"/>
+                    </a:p>
+                  </a:txBody>
+                  <a:tcPr/>
+                </a:tc>
+              </a:tr>
+              <a:tr h="370840">
+                <a:tc>
+                  <a:txBody>
+                    <a:bodyPr/>
+                    <a:lstStyle/>
+                    <a:p>
+                      <a:r>
+                        <a:rPr lang="en-US" dirty="0" smtClean="0"/>
+                        <a:t>Hooks:</a:t>
+                      </a:r>
+                      <a:endParaRPr lang="en-US" dirty="0"/>
+                    </a:p>
+                  </a:txBody>
+                  <a:tcPr/>
+                </a:tc>
+                <a:tc>
+                  <a:txBody>
+                    <a:bodyPr/>
+                    <a:lstStyle/>
+                    <a:p>
+                      <a:r>
+                        <a:rPr lang="en-US" dirty="0" smtClean="0"/>
+                        <a:t>Jab</a:t>
+                      </a:r>
+                      <a:endParaRPr lang="en-US" dirty="0"/>
+                    </a:p>
+                  </a:txBody>
+                  <a:tcPr/>
+                </a:tc>
+                <a:tc>
+                  <a:txBody>
+                    <a:bodyPr/>
+                    <a:lstStyle/>
+                    <a:p>
+                      <a:r>
+                        <a:rPr lang="en-US" dirty="0" smtClean="0"/>
+                        <a:t>Jab</a:t>
+                      </a:r>
+                      <a:endParaRPr lang="en-US" dirty="0"/>
+                    </a:p>
+                  </a:txBody>
+                  <a:tcPr/>
+                </a:tc>
+                <a:tc>
+                  <a:txBody>
+                    <a:bodyPr/>
+                    <a:lstStyle/>
+                    <a:p>
+                      <a:r>
+                        <a:rPr lang="en-US" dirty="0" smtClean="0"/>
+                        <a:t>Hook</a:t>
+                      </a:r>
+                      <a:endParaRPr lang="en-US" dirty="0"/>
+                    </a:p>
+                  </a:txBody>
+                  <a:tcPr/>
+                </a:tc>
+                <a:tc>
+                  <a:txBody>
+                    <a:bodyPr/>
+                    <a:lstStyle/>
+                    <a:p>
+                      <a:r>
+                        <a:rPr lang="en-US" dirty="0" smtClean="0"/>
+                        <a:t>Cross</a:t>
+                      </a:r>
+                      <a:endParaRPr lang="en-US" dirty="0"/>
+                    </a:p>
+                  </a:txBody>
+                  <a:tcPr/>
+                </a:tc>
+                <a:tc>
+                  <a:txBody>
+                    <a:bodyPr/>
+                    <a:lstStyle/>
+                    <a:p>
+                      <a:r>
+                        <a:rPr lang="en-US" dirty="0" smtClean="0"/>
+                        <a:t>Cross</a:t>
+                      </a:r>
+                      <a:endParaRPr lang="en-US" dirty="0"/>
+                    </a:p>
+                  </a:txBody>
+                  <a:tcPr/>
+                </a:tc>
+                <a:tc>
+                  <a:txBody>
+                    <a:bodyPr/>
+                    <a:lstStyle/>
+                    <a:p>
+                      <a:r>
+                        <a:rPr lang="en-US" dirty="0" smtClean="0"/>
+                        <a:t>Jab</a:t>
+                      </a:r>
+                      <a:endParaRPr lang="en-US" dirty="0"/>
+                    </a:p>
+                  </a:txBody>
+                  <a:tcPr/>
+                </a:tc>
+                <a:tc>
+                  <a:txBody>
+                    <a:bodyPr/>
+                    <a:lstStyle/>
+                    <a:p>
+                      <a:r>
+                        <a:rPr lang="en-US" dirty="0" smtClean="0"/>
+                        <a:t>Hook</a:t>
+                      </a:r>
+                      <a:endParaRPr lang="en-US" dirty="0"/>
+                    </a:p>
+                  </a:txBody>
+                  <a:tcPr/>
+                </a:tc>
+                <a:tc>
+                  <a:txBody>
+                    <a:bodyPr/>
+                    <a:lstStyle/>
+                    <a:p>
+                      <a:r>
+                        <a:rPr lang="en-US" dirty="0" smtClean="0"/>
+                        <a:t>Cross</a:t>
+                      </a:r>
+                      <a:endParaRPr lang="en-US" dirty="0"/>
+                    </a:p>
+                  </a:txBody>
+                  <a:tcPr/>
+                </a:tc>
+                <a:tc>
+                  <a:txBody>
+                    <a:bodyPr/>
+                    <a:lstStyle/>
+                    <a:p>
+                      <a:r>
+                        <a:rPr lang="en-US" dirty="0" smtClean="0"/>
+                        <a:t>Hook</a:t>
+                      </a:r>
+                      <a:endParaRPr lang="en-US" dirty="0"/>
+                    </a:p>
+                  </a:txBody>
+                  <a:tcPr/>
+                </a:tc>
+                <a:tc>
+                  <a:txBody>
+                    <a:bodyPr/>
+                    <a:lstStyle/>
+                    <a:p>
+                      <a:r>
+                        <a:rPr lang="en-US" dirty="0" smtClean="0"/>
+                        <a:t>Hook</a:t>
+                      </a:r>
+                      <a:endParaRPr lang="en-US" dirty="0"/>
+                    </a:p>
+                  </a:txBody>
+                  <a:tcPr/>
+                </a:tc>
+              </a:tr>
+            </a:tbl>
+          </a:graphicData>
+        </a:graphic>
+      </p:graphicFrame>
+      <p:sp>
+        <p:nvSpPr>
+          <p:cNvPr id="5" name="Rectangle 4"/>
+          <p:cNvSpPr/>
+          <p:nvPr/>
         </p:nvSpPr>
         <p:spPr>
           <a:xfrm>
-            <a:off x="952500" y="1866901"/>
-            <a:ext cx="10763249" cy="4572000"/>
+            <a:off x="1714500" y="3676650"/>
+            <a:ext cx="8572500" cy="2185214"/>
           </a:xfrm>
+          <a:prstGeom prst="rect">
+            <a:avLst/>
+          </a:prstGeom>
         </p:spPr>
         <p:txBody>
-          <a:bodyPr>
-            <a:normAutofit/>
+          <a:bodyPr wrap="square">
+            <a:spAutoFit/>
           </a:bodyPr>
           <a:lstStyle/>
           <a:p>
             <a:r>
               <a:rPr lang="en-US" sz="3400" dirty="0" smtClean="0"/>
-              <a:t>Boxer punches and the device detects punch data</a:t>
+              <a:t>Jabs: 70% accurate</a:t>
             </a:r>
           </a:p>
           <a:p>
             <a:r>
               <a:rPr lang="en-US" sz="3400" dirty="0" smtClean="0"/>
-              <a:t>Works okay shadowboxing</a:t>
-            </a:r>
-          </a:p>
-          <a:p>
-            <a:pPr lvl="1"/>
-            <a:r>
-              <a:rPr lang="en-US" sz="3200" dirty="0" smtClean="0"/>
-              <a:t>78% accuracy</a:t>
+              <a:t>Crosses:  90% “accurate”, false positives</a:t>
             </a:r>
           </a:p>
           <a:p>
             <a:r>
               <a:rPr lang="en-US" sz="3400" dirty="0" smtClean="0"/>
-              <a:t>Needs calibration for “bag work”</a:t>
+              <a:t>Hooks: 40% accurate</a:t>
             </a:r>
           </a:p>
           <a:p>
             <a:r>
               <a:rPr lang="en-US" sz="3400" dirty="0" smtClean="0"/>
-              <a:t>More accurate </a:t>
-            </a:r>
-            <a:r>
-              <a:rPr lang="en-US" sz="3400" dirty="0" err="1" smtClean="0"/>
-              <a:t>vs</a:t>
-            </a:r>
-            <a:r>
-              <a:rPr lang="en-US" sz="3400" dirty="0" smtClean="0"/>
-              <a:t> a real bag sometimes</a:t>
-            </a:r>
-          </a:p>
-          <a:p>
-            <a:r>
-              <a:rPr lang="en-US" sz="3400" dirty="0" smtClean="0"/>
-              <a:t>Hard punches mess up the gyro</a:t>
-            </a:r>
+              <a:t>	</a:t>
+            </a:r>
+            <a:endParaRPr lang="en-US" sz="3400" dirty="0"/>
           </a:p>
         </p:txBody>
       </p:sp>
     </p:spTree>
     <p:extLst>
       <p:ext uri="{BB962C8B-B14F-4D97-AF65-F5344CB8AC3E}">
-        <p14:creationId xmlns:p14="http://schemas.microsoft.com/office/powerpoint/2010/main" xmlns="" val="177519349"/>
+        <p14:creationId xmlns="" xmlns:p14="http://schemas.microsoft.com/office/powerpoint/2010/main" val="177519349"/>
       </p:ext>
     </p:extLst>
   </p:cSld>
@@ -7576,7 +8198,7 @@
   <a:extraClrSchemeLst/>
   <a:extLst>
     <a:ext uri="{05A4C25C-085E-4340-85A3-A5531E510DB2}">
-      <thm15:themeFamily xmlns:thm15="http://schemas.microsoft.com/office/thememl/2012/main" xmlns="" name="Mesh" id="{789EC3FE-34FD-429C-9918-760025E6C145}" vid="{B8BE45C0-8141-4D58-8C71-A009BC26FBBB}"/>
+      <thm15:themeFamily xmlns="" xmlns:thm15="http://schemas.microsoft.com/office/thememl/2012/main" name="Mesh" id="{789EC3FE-34FD-429C-9918-760025E6C145}" vid="{B8BE45C0-8141-4D58-8C71-A009BC26FBBB}"/>
     </a:ext>
   </a:extLst>
 </a:theme>

--- a/Boxing Wearable.pptx
+++ b/Boxing Wearable.pptx
@@ -5812,7 +5812,11 @@
           <a:p>
             <a:r>
               <a:rPr lang="en-US" sz="4400" dirty="0" smtClean="0"/>
-              <a:t>Detection Examples</a:t>
+              <a:t>Detection </a:t>
+            </a:r>
+            <a:r>
+              <a:rPr lang="en-US" sz="4400" dirty="0" smtClean="0"/>
+              <a:t>Intuition</a:t>
             </a:r>
             <a:endParaRPr lang="en-US" sz="4400" dirty="0"/>
           </a:p>
@@ -5842,7 +5846,15 @@
           <a:p>
             <a:r>
               <a:rPr lang="en-US" sz="3400" dirty="0" smtClean="0"/>
-              <a:t>Boxer punches and the device detects punch data</a:t>
+              <a:t>Boxer </a:t>
+            </a:r>
+            <a:r>
+              <a:rPr lang="en-US" sz="3400" dirty="0" smtClean="0"/>
+              <a:t>punches, </a:t>
+            </a:r>
+            <a:r>
+              <a:rPr lang="en-US" sz="3400" dirty="0" smtClean="0"/>
+              <a:t>device detects punch data</a:t>
             </a:r>
           </a:p>
           <a:p>
@@ -6302,20 +6314,29 @@
           <a:p>
             <a:r>
               <a:rPr lang="en-US" sz="3200" dirty="0" smtClean="0"/>
+              <a:t>Shadow boxing </a:t>
+            </a:r>
+            <a:r>
+              <a:rPr lang="en-US" sz="3200" dirty="0" smtClean="0"/>
+              <a:t>sensor</a:t>
+            </a:r>
+            <a:endParaRPr lang="en-US" sz="3200" dirty="0" smtClean="0"/>
+          </a:p>
+          <a:p>
+            <a:r>
+              <a:rPr lang="en-US" sz="3200" dirty="0" smtClean="0"/>
               <a:t>Takeaways</a:t>
             </a:r>
+            <a:endParaRPr lang="en-US" sz="3200" dirty="0" smtClean="0"/>
           </a:p>
           <a:p>
             <a:r>
               <a:rPr lang="en-US" sz="3200" dirty="0" smtClean="0"/>
-              <a:t>Shadow boxing sensor</a:t>
-            </a:r>
-            <a:endParaRPr lang="en-US" sz="3000" dirty="0" smtClean="0"/>
-          </a:p>
-          <a:p>
+              <a:t>What’s </a:t>
+            </a:r>
             <a:r>
               <a:rPr lang="en-US" sz="3200" dirty="0" smtClean="0"/>
-              <a:t>What’s Next?</a:t>
+              <a:t>Next?</a:t>
             </a:r>
           </a:p>
           <a:p>
@@ -6483,7 +6504,7 @@
         <p:spPr>
           <a:xfrm>
             <a:off x="6170612" y="1760221"/>
-            <a:ext cx="4876800" cy="4030979"/>
+            <a:ext cx="5640388" cy="4030979"/>
           </a:xfrm>
         </p:spPr>
         <p:txBody>
@@ -6505,15 +6526,29 @@
             </a:r>
             <a:r>
               <a:rPr lang="en-US" sz="3200" dirty="0" smtClean="0"/>
-              <a:t> on Wrist</a:t>
-            </a:r>
+              <a:t> on </a:t>
+            </a:r>
+            <a:r>
+              <a:rPr lang="en-US" sz="3200" dirty="0" smtClean="0"/>
+              <a:t>wrist</a:t>
+            </a:r>
+            <a:endParaRPr lang="en-US" sz="3200" dirty="0" smtClean="0"/>
           </a:p>
           <a:p>
             <a:pPr lvl="1"/>
             <a:r>
               <a:rPr lang="en-US" sz="3200" dirty="0" smtClean="0"/>
-              <a:t>Over Boxing Glove</a:t>
-            </a:r>
+              <a:t>Worn over </a:t>
+            </a:r>
+            <a:r>
+              <a:rPr lang="en-US" sz="3200" dirty="0" smtClean="0"/>
+              <a:t>g</a:t>
+            </a:r>
+            <a:r>
+              <a:rPr lang="en-US" sz="3200" dirty="0" smtClean="0"/>
+              <a:t>love</a:t>
+            </a:r>
+            <a:endParaRPr lang="en-US" sz="3200" dirty="0" smtClean="0"/>
           </a:p>
           <a:p>
             <a:pPr lvl="1"/>
@@ -7377,7 +7412,7 @@
           <a:p>
             <a:r>
               <a:rPr lang="en-US" sz="4400" dirty="0" smtClean="0"/>
-              <a:t>Detections</a:t>
+              <a:t>Detection Results</a:t>
             </a:r>
             <a:endParaRPr lang="en-US" sz="4400" dirty="0"/>
           </a:p>
@@ -7896,8 +7931,8 @@
         </p:nvSpPr>
         <p:spPr>
           <a:xfrm>
-            <a:off x="1714500" y="3676650"/>
-            <a:ext cx="8572500" cy="2185214"/>
+            <a:off x="2533650" y="3676650"/>
+            <a:ext cx="7753350" cy="2708434"/>
           </a:xfrm>
           <a:prstGeom prst="rect">
             <a:avLst/>
@@ -7909,24 +7944,54 @@
           </a:bodyPr>
           <a:lstStyle/>
           <a:p>
+            <a:pPr>
+              <a:buFont typeface="Arial" pitchFamily="34" charset="0"/>
+              <a:buChar char="•"/>
+            </a:pPr>
             <a:r>
               <a:rPr lang="en-US" sz="3400" dirty="0" smtClean="0"/>
-              <a:t>Jabs: 70% accurate</a:t>
-            </a:r>
-          </a:p>
-          <a:p>
+              <a:t> Jabs: 70% accurate </a:t>
+            </a:r>
+          </a:p>
+          <a:p>
+            <a:pPr>
+              <a:buFont typeface="Arial" pitchFamily="34" charset="0"/>
+              <a:buChar char="•"/>
+            </a:pPr>
             <a:r>
               <a:rPr lang="en-US" sz="3400" dirty="0" smtClean="0"/>
-              <a:t>Crosses:  90% “accurate”, false positives</a:t>
-            </a:r>
-          </a:p>
-          <a:p>
+              <a:t> Crosses:  90% “accurate”</a:t>
+            </a:r>
+          </a:p>
+          <a:p>
+            <a:pPr lvl="1">
+              <a:buFont typeface="Arial" pitchFamily="34" charset="0"/>
+              <a:buChar char="•"/>
+            </a:pPr>
             <a:r>
               <a:rPr lang="en-US" sz="3400" dirty="0" smtClean="0"/>
-              <a:t>Hooks: 40% accurate</a:t>
-            </a:r>
-          </a:p>
-          <a:p>
+              <a:t> False positives from snapback</a:t>
+            </a:r>
+          </a:p>
+          <a:p>
+            <a:pPr lvl="1">
+              <a:buFont typeface="Arial" pitchFamily="34" charset="0"/>
+              <a:buChar char="•"/>
+            </a:pPr>
+            <a:r>
+              <a:rPr lang="en-US" sz="3400" dirty="0" smtClean="0"/>
+              <a:t> 30% accurate actually</a:t>
+            </a:r>
+          </a:p>
+          <a:p>
+            <a:pPr>
+              <a:buFont typeface="Arial" pitchFamily="34" charset="0"/>
+              <a:buChar char="•"/>
+            </a:pPr>
+            <a:r>
+              <a:rPr lang="en-US" sz="3400" dirty="0" smtClean="0"/>
+              <a:t> Hooks: 40% accurate</a:t>
+            </a:r>
             <a:r>
               <a:rPr lang="en-US" sz="3400" dirty="0" smtClean="0"/>
               <a:t>	</a:t>
